--- a/Calendario2025/Presentaciones/1_IntroduccionRedes.pptx
+++ b/Calendario2025/Presentaciones/1_IntroduccionRedes.pptx
@@ -237,7 +237,7 @@
           <a:p>
             <a:fld id="{2D445F07-8756-451B-A938-0248325FC7BB}" type="datetimeFigureOut">
               <a:rPr lang="es-MX" smtClean="0"/>
-              <a:t>27/10/2024</a:t>
+              <a:t>07/02/2025</a:t>
             </a:fld>
             <a:endParaRPr lang="es-MX" dirty="0"/>
           </a:p>
@@ -2663,7 +2663,7 @@
           <a:p>
             <a:fld id="{5E75A0DC-66C6-4CEC-A5EB-F8C97CEC3796}" type="datetimeFigureOut">
               <a:rPr lang="es-MX" smtClean="0"/>
-              <a:t>27/10/2024</a:t>
+              <a:t>07/02/2025</a:t>
             </a:fld>
             <a:endParaRPr lang="es-MX" dirty="0"/>
           </a:p>
@@ -2833,7 +2833,7 @@
           <a:p>
             <a:fld id="{5E75A0DC-66C6-4CEC-A5EB-F8C97CEC3796}" type="datetimeFigureOut">
               <a:rPr lang="es-MX" smtClean="0"/>
-              <a:t>27/10/2024</a:t>
+              <a:t>07/02/2025</a:t>
             </a:fld>
             <a:endParaRPr lang="es-MX" dirty="0"/>
           </a:p>
@@ -3013,7 +3013,7 @@
           <a:p>
             <a:fld id="{5E75A0DC-66C6-4CEC-A5EB-F8C97CEC3796}" type="datetimeFigureOut">
               <a:rPr lang="es-MX" smtClean="0"/>
-              <a:t>27/10/2024</a:t>
+              <a:t>07/02/2025</a:t>
             </a:fld>
             <a:endParaRPr lang="es-MX" dirty="0"/>
           </a:p>
@@ -3488,7 +3488,7 @@
           <a:p>
             <a:fld id="{5E75A0DC-66C6-4CEC-A5EB-F8C97CEC3796}" type="datetimeFigureOut">
               <a:rPr lang="es-MX" smtClean="0"/>
-              <a:t>27/10/2024</a:t>
+              <a:t>07/02/2025</a:t>
             </a:fld>
             <a:endParaRPr lang="es-MX" dirty="0"/>
           </a:p>
@@ -3734,7 +3734,7 @@
           <a:p>
             <a:fld id="{5E75A0DC-66C6-4CEC-A5EB-F8C97CEC3796}" type="datetimeFigureOut">
               <a:rPr lang="es-MX" smtClean="0"/>
-              <a:t>27/10/2024</a:t>
+              <a:t>07/02/2025</a:t>
             </a:fld>
             <a:endParaRPr lang="es-MX" dirty="0"/>
           </a:p>
@@ -4022,7 +4022,7 @@
           <a:p>
             <a:fld id="{5E75A0DC-66C6-4CEC-A5EB-F8C97CEC3796}" type="datetimeFigureOut">
               <a:rPr lang="es-MX" smtClean="0"/>
-              <a:t>27/10/2024</a:t>
+              <a:t>07/02/2025</a:t>
             </a:fld>
             <a:endParaRPr lang="es-MX" dirty="0"/>
           </a:p>
@@ -4444,7 +4444,7 @@
           <a:p>
             <a:fld id="{5E75A0DC-66C6-4CEC-A5EB-F8C97CEC3796}" type="datetimeFigureOut">
               <a:rPr lang="es-MX" smtClean="0"/>
-              <a:t>27/10/2024</a:t>
+              <a:t>07/02/2025</a:t>
             </a:fld>
             <a:endParaRPr lang="es-MX" dirty="0"/>
           </a:p>
@@ -4562,7 +4562,7 @@
           <a:p>
             <a:fld id="{5E75A0DC-66C6-4CEC-A5EB-F8C97CEC3796}" type="datetimeFigureOut">
               <a:rPr lang="es-MX" smtClean="0"/>
-              <a:t>27/10/2024</a:t>
+              <a:t>07/02/2025</a:t>
             </a:fld>
             <a:endParaRPr lang="es-MX" dirty="0"/>
           </a:p>
@@ -4657,7 +4657,7 @@
           <a:p>
             <a:fld id="{5E75A0DC-66C6-4CEC-A5EB-F8C97CEC3796}" type="datetimeFigureOut">
               <a:rPr lang="es-MX" smtClean="0"/>
-              <a:t>27/10/2024</a:t>
+              <a:t>07/02/2025</a:t>
             </a:fld>
             <a:endParaRPr lang="es-MX" dirty="0"/>
           </a:p>
@@ -4934,7 +4934,7 @@
           <a:p>
             <a:fld id="{5E75A0DC-66C6-4CEC-A5EB-F8C97CEC3796}" type="datetimeFigureOut">
               <a:rPr lang="es-MX" smtClean="0"/>
-              <a:t>27/10/2024</a:t>
+              <a:t>07/02/2025</a:t>
             </a:fld>
             <a:endParaRPr lang="es-MX" dirty="0"/>
           </a:p>
@@ -5187,7 +5187,7 @@
           <a:p>
             <a:fld id="{5E75A0DC-66C6-4CEC-A5EB-F8C97CEC3796}" type="datetimeFigureOut">
               <a:rPr lang="es-MX" smtClean="0"/>
-              <a:t>27/10/2024</a:t>
+              <a:t>07/02/2025</a:t>
             </a:fld>
             <a:endParaRPr lang="es-MX" dirty="0"/>
           </a:p>
@@ -5400,7 +5400,7 @@
           <a:p>
             <a:fld id="{5E75A0DC-66C6-4CEC-A5EB-F8C97CEC3796}" type="datetimeFigureOut">
               <a:rPr lang="es-MX" smtClean="0"/>
-              <a:t>27/10/2024</a:t>
+              <a:t>07/02/2025</a:t>
             </a:fld>
             <a:endParaRPr lang="es-MX" dirty="0"/>
           </a:p>
@@ -14714,7 +14714,7 @@
         </p:nvSpPr>
         <p:spPr bwMode="auto">
           <a:xfrm>
-            <a:off x="453084" y="3278238"/>
+            <a:off x="453084" y="3253164"/>
             <a:ext cx="6347048" cy="1752600"/>
           </a:xfrm>
           <a:prstGeom prst="rect">
@@ -15084,7 +15084,7 @@
         </p:nvSpPr>
         <p:spPr bwMode="auto">
           <a:xfrm>
-            <a:off x="461397" y="2878010"/>
+            <a:off x="461397" y="2852936"/>
             <a:ext cx="7848600" cy="500063"/>
           </a:xfrm>
           <a:prstGeom prst="rect">
